--- a/Files/Ara_Sunum.pptx
+++ b/Files/Ara_Sunum.pptx
@@ -6505,7 +6505,7 @@
             </a:pPr>
             <a:r>
               <a:rPr lang="en-US" sz="2400" dirty="0"/>
-              <a:t>C# VE JAVA DİLLERİNDE ASYNC PROGRAMLAMANIN PERFORMANSA OLAN ETKİSİNİN İNCELENEMESİ</a:t>
+              <a:t>C# VE JAVA DİLLERİNDE ASYNC PROGRAMLAMANIN PERFORMANSA OLAN ETKİSİNİN İNCELENMESİ</a:t>
             </a:r>
           </a:p>
         </p:txBody>
@@ -6542,31 +6542,6 @@
       </p:grpSpPr>
       <p:sp>
         <p:nvSpPr>
-          <p:cNvPr id="2" name="Title 1">
-            <a:extLst>
-              <a:ext uri="{FF2B5EF4-FFF2-40B4-BE49-F238E27FC236}">
-                <a16:creationId xmlns:a16="http://schemas.microsoft.com/office/drawing/2014/main" id="{EF08D1EC-0476-3C11-44DD-6CAC369127F6}"/>
-              </a:ext>
-            </a:extLst>
-          </p:cNvPr>
-          <p:cNvSpPr>
-            <a:spLocks noGrp="1"/>
-          </p:cNvSpPr>
-          <p:nvPr>
-            <p:ph type="title"/>
-          </p:nvPr>
-        </p:nvSpPr>
-        <p:spPr/>
-        <p:txBody>
-          <a:bodyPr/>
-          <a:lstStyle/>
-          <a:p>
-            <a:endParaRPr lang="en-US" dirty="0"/>
-          </a:p>
-        </p:txBody>
-      </p:sp>
-      <p:sp>
-        <p:nvSpPr>
           <p:cNvPr id="3" name="Content Placeholder 2">
             <a:extLst>
               <a:ext uri="{FF2B5EF4-FFF2-40B4-BE49-F238E27FC236}">
@@ -6588,7 +6563,7 @@
           <a:p>
             <a:r>
               <a:rPr lang="en-US" dirty="0"/>
-              <a:t>PROBLEM(SORU):</a:t>
+              <a:t>PROBLEM:</a:t>
             </a:r>
             <a:br>
               <a:rPr lang="en-US" dirty="0"/>
@@ -7160,8 +7135,13 @@
             </a:r>
             <a:r>
               <a:rPr lang="en-US" dirty="0"/>
-              <a:t> &gt; %100</a:t>
-            </a:r>
+              <a:t> </a:t>
+            </a:r>
+            <a:r>
+              <a:rPr lang="en-US"/>
+              <a:t>&gt; %90</a:t>
+            </a:r>
+            <a:endParaRPr lang="en-US" dirty="0"/>
           </a:p>
           <a:p>
             <a:r>
@@ -8233,15 +8213,6 @@
 </file>
 
 <file path=customXml/item2.xml><?xml version="1.0" encoding="utf-8"?>
-<p:properties xmlns:p="http://schemas.microsoft.com/office/2006/metadata/properties" xmlns:xsi="http://www.w3.org/2001/XMLSchema-instance" xmlns:pc="http://schemas.microsoft.com/office/infopath/2007/PartnerControls">
-  <documentManagement>
-    <Status xmlns="71af3243-3dd4-4a8d-8c0d-dd76da1f02a5">Not started</Status>
-    <MediaServiceKeyPoints xmlns="71af3243-3dd4-4a8d-8c0d-dd76da1f02a5" xsi:nil="true"/>
-  </documentManagement>
-</p:properties>
-</file>
-
-<file path=customXml/item3.xml><?xml version="1.0" encoding="utf-8"?>
 <ct:contentTypeSchema xmlns:ct="http://schemas.microsoft.com/office/2006/metadata/contentType" xmlns:ma="http://schemas.microsoft.com/office/2006/metadata/properties/metaAttributes" ct:_="" ma:_="" ma:contentTypeName="Document" ma:contentTypeID="0x01010079F111ED35F8CC479449609E8A0923A6" ma:contentTypeVersion="12" ma:contentTypeDescription="Create a new document." ma:contentTypeScope="" ma:versionID="a410dd7f93c95333ffa1b60ed6adedd1">
   <xsd:schema xmlns:xsd="http://www.w3.org/2001/XMLSchema" xmlns:xs="http://www.w3.org/2001/XMLSchema" xmlns:p="http://schemas.microsoft.com/office/2006/metadata/properties" xmlns:ns2="71af3243-3dd4-4a8d-8c0d-dd76da1f02a5" xmlns:ns3="16c05727-aa75-4e4a-9b5f-8a80a1165891" targetNamespace="http://schemas.microsoft.com/office/2006/metadata/properties" ma:root="true" ma:fieldsID="a936d9baba76aa3866493feff160faab" ns2:_="" ns3:_="">
     <xsd:import namespace="71af3243-3dd4-4a8d-8c0d-dd76da1f02a5"/>
@@ -8462,6 +8433,15 @@
 </ct:contentTypeSchema>
 </file>
 
+<file path=customXml/item3.xml><?xml version="1.0" encoding="utf-8"?>
+<p:properties xmlns:p="http://schemas.microsoft.com/office/2006/metadata/properties" xmlns:xsi="http://www.w3.org/2001/XMLSchema-instance" xmlns:pc="http://schemas.microsoft.com/office/infopath/2007/PartnerControls">
+  <documentManagement>
+    <Status xmlns="71af3243-3dd4-4a8d-8c0d-dd76da1f02a5">Not started</Status>
+    <MediaServiceKeyPoints xmlns="71af3243-3dd4-4a8d-8c0d-dd76da1f02a5" xsi:nil="true"/>
+  </documentManagement>
+</p:properties>
+</file>
+
 <file path=customXml/itemProps1.xml><?xml version="1.0" encoding="utf-8"?>
 <ds:datastoreItem xmlns:ds="http://schemas.openxmlformats.org/officeDocument/2006/customXml" ds:itemID="{64B270AB-C138-415C-897E-3C24487DECF1}">
   <ds:schemaRefs>
@@ -8471,16 +8451,6 @@
 </file>
 
 <file path=customXml/itemProps2.xml><?xml version="1.0" encoding="utf-8"?>
-<ds:datastoreItem xmlns:ds="http://schemas.openxmlformats.org/officeDocument/2006/customXml" ds:itemID="{2C4C00F4-06E9-43E3-AD97-88A857CEFA82}">
-  <ds:schemaRefs>
-    <ds:schemaRef ds:uri="http://schemas.microsoft.com/office/2006/metadata/properties"/>
-    <ds:schemaRef ds:uri="http://schemas.microsoft.com/office/infopath/2007/PartnerControls"/>
-    <ds:schemaRef ds:uri="71af3243-3dd4-4a8d-8c0d-dd76da1f02a5"/>
-  </ds:schemaRefs>
-</ds:datastoreItem>
-</file>
-
-<file path=customXml/itemProps3.xml><?xml version="1.0" encoding="utf-8"?>
 <ds:datastoreItem xmlns:ds="http://schemas.openxmlformats.org/officeDocument/2006/customXml" ds:itemID="{0585E981-8C91-4205-A0C3-C991F42B4C9E}">
   <ds:schemaRefs>
     <ds:schemaRef ds:uri="http://schemas.microsoft.com/office/2006/metadata/contentType"/>
@@ -8497,4 +8467,14 @@
     <ds:schemaRef ds:uri="http://schemas.microsoft.com/internal/obd"/>
   </ds:schemaRefs>
 </ds:datastoreItem>
+</file>
+
+<file path=customXml/itemProps3.xml><?xml version="1.0" encoding="utf-8"?>
+<ds:datastoreItem xmlns:ds="http://schemas.openxmlformats.org/officeDocument/2006/customXml" ds:itemID="{2C4C00F4-06E9-43E3-AD97-88A857CEFA82}">
+  <ds:schemaRefs>
+    <ds:schemaRef ds:uri="http://schemas.microsoft.com/office/2006/metadata/properties"/>
+    <ds:schemaRef ds:uri="http://schemas.microsoft.com/office/infopath/2007/PartnerControls"/>
+    <ds:schemaRef ds:uri="71af3243-3dd4-4a8d-8c0d-dd76da1f02a5"/>
+  </ds:schemaRefs>
+</ds:datastoreItem>
 </file>